--- a/docs/diagrams/StorageComponentClassDiagram.pptx
+++ b/docs/diagrams/StorageComponentClassDiagram.pptx
@@ -107,6 +107,22 @@
       </a:defRPr>
     </a:lvl9pPr>
   </p:defaultTextStyle>
+  <p:extLst>
+    <p:ext uri="{EFAFB233-063F-42B5-8137-9DF3F51BA10A}">
+      <p15:sldGuideLst xmlns:p15="http://schemas.microsoft.com/office/powerpoint/2012/main">
+        <p15:guide id="1" orient="horz" pos="1488">
+          <p15:clr>
+            <a:srgbClr val="A4A3A4"/>
+          </p15:clr>
+        </p15:guide>
+        <p15:guide id="2" pos="2880">
+          <p15:clr>
+            <a:srgbClr val="A4A3A4"/>
+          </p15:clr>
+        </p15:guide>
+      </p15:sldGuideLst>
+    </p:ext>
+  </p:extLst>
 </p:presentation>
 </file>
 
@@ -159,7 +175,7 @@
             </a:lvl1pPr>
           </a:lstStyle>
           <a:p>
-            <a:endParaRPr lang="en-US"/>
+            <a:endParaRPr lang="en-US" dirty="0"/>
           </a:p>
         </p:txBody>
       </p:sp>
@@ -192,9 +208,9 @@
           <a:p>
             <a:fld id="{F5CC4B3F-88C1-4FFA-B1B6-F41C21DC6924}" type="datetimeFigureOut">
               <a:rPr lang="en-US" smtClean="0"/>
-              <a:t>10/16/2016</a:t>
+              <a:t>3/14/2018</a:t>
             </a:fld>
-            <a:endParaRPr lang="en-US"/>
+            <a:endParaRPr lang="en-US" dirty="0"/>
           </a:p>
         </p:txBody>
       </p:sp>
@@ -227,7 +243,7 @@
           <a:bodyPr vert="horz" lIns="91440" tIns="45720" rIns="91440" bIns="45720" rtlCol="0" anchor="ctr"/>
           <a:lstStyle/>
           <a:p>
-            <a:endParaRPr lang="en-US"/>
+            <a:endParaRPr lang="en-US" dirty="0"/>
           </a:p>
         </p:txBody>
       </p:sp>
@@ -256,38 +272,37 @@
           <a:p>
             <a:pPr lvl="0"/>
             <a:r>
-              <a:rPr lang="en-US" smtClean="0"/>
+              <a:rPr lang="en-US"/>
               <a:t>Click to edit Master text styles</a:t>
             </a:r>
           </a:p>
           <a:p>
             <a:pPr lvl="1"/>
             <a:r>
-              <a:rPr lang="en-US" smtClean="0"/>
+              <a:rPr lang="en-US"/>
               <a:t>Second level</a:t>
             </a:r>
           </a:p>
           <a:p>
             <a:pPr lvl="2"/>
             <a:r>
-              <a:rPr lang="en-US" smtClean="0"/>
+              <a:rPr lang="en-US"/>
               <a:t>Third level</a:t>
             </a:r>
           </a:p>
           <a:p>
             <a:pPr lvl="3"/>
             <a:r>
-              <a:rPr lang="en-US" smtClean="0"/>
+              <a:rPr lang="en-US"/>
               <a:t>Fourth level</a:t>
             </a:r>
           </a:p>
           <a:p>
             <a:pPr lvl="4"/>
             <a:r>
-              <a:rPr lang="en-US" smtClean="0"/>
+              <a:rPr lang="en-US"/>
               <a:t>Fifth level</a:t>
             </a:r>
-            <a:endParaRPr lang="en-US"/>
           </a:p>
         </p:txBody>
       </p:sp>
@@ -318,7 +333,7 @@
             </a:lvl1pPr>
           </a:lstStyle>
           <a:p>
-            <a:endParaRPr lang="en-US"/>
+            <a:endParaRPr lang="en-US" dirty="0"/>
           </a:p>
         </p:txBody>
       </p:sp>
@@ -353,7 +368,7 @@
               <a:rPr lang="en-US" smtClean="0"/>
               <a:t>‹#›</a:t>
             </a:fld>
-            <a:endParaRPr lang="en-US"/>
+            <a:endParaRPr lang="en-US" dirty="0"/>
           </a:p>
         </p:txBody>
       </p:sp>
@@ -498,10 +513,9 @@
           <a:lstStyle/>
           <a:p>
             <a:r>
-              <a:rPr lang="en-US" smtClean="0"/>
+              <a:rPr lang="en-US"/>
               <a:t>Click to edit Master title style</a:t>
             </a:r>
-            <a:endParaRPr lang="en-US"/>
           </a:p>
         </p:txBody>
       </p:sp>
@@ -617,10 +631,9 @@
           </a:lstStyle>
           <a:p>
             <a:r>
-              <a:rPr lang="en-US" smtClean="0"/>
+              <a:rPr lang="en-US"/>
               <a:t>Click to edit Master subtitle style</a:t>
             </a:r>
-            <a:endParaRPr lang="en-US"/>
           </a:p>
         </p:txBody>
       </p:sp>
@@ -641,9 +654,9 @@
           <a:p>
             <a:fld id="{78C97017-6FC3-485B-9764-EAC9E56C1D49}" type="datetimeFigureOut">
               <a:rPr lang="en-US" smtClean="0"/>
-              <a:t>10/16/2016</a:t>
+              <a:t>3/14/2018</a:t>
             </a:fld>
-            <a:endParaRPr lang="en-US"/>
+            <a:endParaRPr lang="en-US" dirty="0"/>
           </a:p>
         </p:txBody>
       </p:sp>
@@ -662,7 +675,7 @@
           <a:bodyPr/>
           <a:lstStyle/>
           <a:p>
-            <a:endParaRPr lang="en-US"/>
+            <a:endParaRPr lang="en-US" dirty="0"/>
           </a:p>
         </p:txBody>
       </p:sp>
@@ -685,7 +698,7 @@
               <a:rPr lang="en-US" smtClean="0"/>
               <a:t>‹#›</a:t>
             </a:fld>
-            <a:endParaRPr lang="en-US"/>
+            <a:endParaRPr lang="en-US" dirty="0"/>
           </a:p>
         </p:txBody>
       </p:sp>
@@ -735,10 +748,9 @@
           <a:lstStyle/>
           <a:p>
             <a:r>
-              <a:rPr lang="en-US" smtClean="0"/>
+              <a:rPr lang="en-US"/>
               <a:t>Click to edit Master title style</a:t>
             </a:r>
-            <a:endParaRPr lang="en-US"/>
           </a:p>
         </p:txBody>
       </p:sp>
@@ -759,38 +771,37 @@
           <a:p>
             <a:pPr lvl="0"/>
             <a:r>
-              <a:rPr lang="en-US" smtClean="0"/>
+              <a:rPr lang="en-US"/>
               <a:t>Click to edit Master text styles</a:t>
             </a:r>
           </a:p>
           <a:p>
             <a:pPr lvl="1"/>
             <a:r>
-              <a:rPr lang="en-US" smtClean="0"/>
+              <a:rPr lang="en-US"/>
               <a:t>Second level</a:t>
             </a:r>
           </a:p>
           <a:p>
             <a:pPr lvl="2"/>
             <a:r>
-              <a:rPr lang="en-US" smtClean="0"/>
+              <a:rPr lang="en-US"/>
               <a:t>Third level</a:t>
             </a:r>
           </a:p>
           <a:p>
             <a:pPr lvl="3"/>
             <a:r>
-              <a:rPr lang="en-US" smtClean="0"/>
+              <a:rPr lang="en-US"/>
               <a:t>Fourth level</a:t>
             </a:r>
           </a:p>
           <a:p>
             <a:pPr lvl="4"/>
             <a:r>
-              <a:rPr lang="en-US" smtClean="0"/>
+              <a:rPr lang="en-US"/>
               <a:t>Fifth level</a:t>
             </a:r>
-            <a:endParaRPr lang="en-US"/>
           </a:p>
         </p:txBody>
       </p:sp>
@@ -811,9 +822,9 @@
           <a:p>
             <a:fld id="{78C97017-6FC3-485B-9764-EAC9E56C1D49}" type="datetimeFigureOut">
               <a:rPr lang="en-US" smtClean="0"/>
-              <a:t>10/16/2016</a:t>
+              <a:t>3/14/2018</a:t>
             </a:fld>
-            <a:endParaRPr lang="en-US"/>
+            <a:endParaRPr lang="en-US" dirty="0"/>
           </a:p>
         </p:txBody>
       </p:sp>
@@ -832,7 +843,7 @@
           <a:bodyPr/>
           <a:lstStyle/>
           <a:p>
-            <a:endParaRPr lang="en-US"/>
+            <a:endParaRPr lang="en-US" dirty="0"/>
           </a:p>
         </p:txBody>
       </p:sp>
@@ -855,7 +866,7 @@
               <a:rPr lang="en-US" smtClean="0"/>
               <a:t>‹#›</a:t>
             </a:fld>
-            <a:endParaRPr lang="en-US"/>
+            <a:endParaRPr lang="en-US" dirty="0"/>
           </a:p>
         </p:txBody>
       </p:sp>
@@ -910,10 +921,9 @@
           <a:lstStyle/>
           <a:p>
             <a:r>
-              <a:rPr lang="en-US" smtClean="0"/>
+              <a:rPr lang="en-US"/>
               <a:t>Click to edit Master title style</a:t>
             </a:r>
-            <a:endParaRPr lang="en-US"/>
           </a:p>
         </p:txBody>
       </p:sp>
@@ -939,38 +949,37 @@
           <a:p>
             <a:pPr lvl="0"/>
             <a:r>
-              <a:rPr lang="en-US" smtClean="0"/>
+              <a:rPr lang="en-US"/>
               <a:t>Click to edit Master text styles</a:t>
             </a:r>
           </a:p>
           <a:p>
             <a:pPr lvl="1"/>
             <a:r>
-              <a:rPr lang="en-US" smtClean="0"/>
+              <a:rPr lang="en-US"/>
               <a:t>Second level</a:t>
             </a:r>
           </a:p>
           <a:p>
             <a:pPr lvl="2"/>
             <a:r>
-              <a:rPr lang="en-US" smtClean="0"/>
+              <a:rPr lang="en-US"/>
               <a:t>Third level</a:t>
             </a:r>
           </a:p>
           <a:p>
             <a:pPr lvl="3"/>
             <a:r>
-              <a:rPr lang="en-US" smtClean="0"/>
+              <a:rPr lang="en-US"/>
               <a:t>Fourth level</a:t>
             </a:r>
           </a:p>
           <a:p>
             <a:pPr lvl="4"/>
             <a:r>
-              <a:rPr lang="en-US" smtClean="0"/>
+              <a:rPr lang="en-US"/>
               <a:t>Fifth level</a:t>
             </a:r>
-            <a:endParaRPr lang="en-US"/>
           </a:p>
         </p:txBody>
       </p:sp>
@@ -991,9 +1000,9 @@
           <a:p>
             <a:fld id="{78C97017-6FC3-485B-9764-EAC9E56C1D49}" type="datetimeFigureOut">
               <a:rPr lang="en-US" smtClean="0"/>
-              <a:t>10/16/2016</a:t>
+              <a:t>3/14/2018</a:t>
             </a:fld>
-            <a:endParaRPr lang="en-US"/>
+            <a:endParaRPr lang="en-US" dirty="0"/>
           </a:p>
         </p:txBody>
       </p:sp>
@@ -1012,7 +1021,7 @@
           <a:bodyPr/>
           <a:lstStyle/>
           <a:p>
-            <a:endParaRPr lang="en-US"/>
+            <a:endParaRPr lang="en-US" dirty="0"/>
           </a:p>
         </p:txBody>
       </p:sp>
@@ -1035,7 +1044,7 @@
               <a:rPr lang="en-US" smtClean="0"/>
               <a:t>‹#›</a:t>
             </a:fld>
-            <a:endParaRPr lang="en-US"/>
+            <a:endParaRPr lang="en-US" dirty="0"/>
           </a:p>
         </p:txBody>
       </p:sp>
@@ -1085,10 +1094,9 @@
           <a:lstStyle/>
           <a:p>
             <a:r>
-              <a:rPr lang="en-US" smtClean="0"/>
+              <a:rPr lang="en-US"/>
               <a:t>Click to edit Master title style</a:t>
             </a:r>
-            <a:endParaRPr lang="en-US"/>
           </a:p>
         </p:txBody>
       </p:sp>
@@ -1109,38 +1117,37 @@
           <a:p>
             <a:pPr lvl="0"/>
             <a:r>
-              <a:rPr lang="en-US" smtClean="0"/>
+              <a:rPr lang="en-US"/>
               <a:t>Click to edit Master text styles</a:t>
             </a:r>
           </a:p>
           <a:p>
             <a:pPr lvl="1"/>
             <a:r>
-              <a:rPr lang="en-US" smtClean="0"/>
+              <a:rPr lang="en-US"/>
               <a:t>Second level</a:t>
             </a:r>
           </a:p>
           <a:p>
             <a:pPr lvl="2"/>
             <a:r>
-              <a:rPr lang="en-US" smtClean="0"/>
+              <a:rPr lang="en-US"/>
               <a:t>Third level</a:t>
             </a:r>
           </a:p>
           <a:p>
             <a:pPr lvl="3"/>
             <a:r>
-              <a:rPr lang="en-US" smtClean="0"/>
+              <a:rPr lang="en-US"/>
               <a:t>Fourth level</a:t>
             </a:r>
           </a:p>
           <a:p>
             <a:pPr lvl="4"/>
             <a:r>
-              <a:rPr lang="en-US" smtClean="0"/>
+              <a:rPr lang="en-US"/>
               <a:t>Fifth level</a:t>
             </a:r>
-            <a:endParaRPr lang="en-US"/>
           </a:p>
         </p:txBody>
       </p:sp>
@@ -1161,9 +1168,9 @@
           <a:p>
             <a:fld id="{78C97017-6FC3-485B-9764-EAC9E56C1D49}" type="datetimeFigureOut">
               <a:rPr lang="en-US" smtClean="0"/>
-              <a:t>10/16/2016</a:t>
+              <a:t>3/14/2018</a:t>
             </a:fld>
-            <a:endParaRPr lang="en-US"/>
+            <a:endParaRPr lang="en-US" dirty="0"/>
           </a:p>
         </p:txBody>
       </p:sp>
@@ -1182,7 +1189,7 @@
           <a:bodyPr/>
           <a:lstStyle/>
           <a:p>
-            <a:endParaRPr lang="en-US"/>
+            <a:endParaRPr lang="en-US" dirty="0"/>
           </a:p>
         </p:txBody>
       </p:sp>
@@ -1205,7 +1212,7 @@
               <a:rPr lang="en-US" smtClean="0"/>
               <a:t>‹#›</a:t>
             </a:fld>
-            <a:endParaRPr lang="en-US"/>
+            <a:endParaRPr lang="en-US" dirty="0"/>
           </a:p>
         </p:txBody>
       </p:sp>
@@ -1264,10 +1271,9 @@
           </a:lstStyle>
           <a:p>
             <a:r>
-              <a:rPr lang="en-US" smtClean="0"/>
+              <a:rPr lang="en-US"/>
               <a:t>Click to edit Master title style</a:t>
             </a:r>
-            <a:endParaRPr lang="en-US"/>
           </a:p>
         </p:txBody>
       </p:sp>
@@ -1384,7 +1390,7 @@
           <a:p>
             <a:pPr lvl="0"/>
             <a:r>
-              <a:rPr lang="en-US" smtClean="0"/>
+              <a:rPr lang="en-US"/>
               <a:t>Click to edit Master text styles</a:t>
             </a:r>
           </a:p>
@@ -1407,9 +1413,9 @@
           <a:p>
             <a:fld id="{78C97017-6FC3-485B-9764-EAC9E56C1D49}" type="datetimeFigureOut">
               <a:rPr lang="en-US" smtClean="0"/>
-              <a:t>10/16/2016</a:t>
+              <a:t>3/14/2018</a:t>
             </a:fld>
-            <a:endParaRPr lang="en-US"/>
+            <a:endParaRPr lang="en-US" dirty="0"/>
           </a:p>
         </p:txBody>
       </p:sp>
@@ -1428,7 +1434,7 @@
           <a:bodyPr/>
           <a:lstStyle/>
           <a:p>
-            <a:endParaRPr lang="en-US"/>
+            <a:endParaRPr lang="en-US" dirty="0"/>
           </a:p>
         </p:txBody>
       </p:sp>
@@ -1451,7 +1457,7 @@
               <a:rPr lang="en-US" smtClean="0"/>
               <a:t>‹#›</a:t>
             </a:fld>
-            <a:endParaRPr lang="en-US"/>
+            <a:endParaRPr lang="en-US" dirty="0"/>
           </a:p>
         </p:txBody>
       </p:sp>
@@ -1501,10 +1507,9 @@
           <a:lstStyle/>
           <a:p>
             <a:r>
-              <a:rPr lang="en-US" smtClean="0"/>
+              <a:rPr lang="en-US"/>
               <a:t>Click to edit Master title style</a:t>
             </a:r>
-            <a:endParaRPr lang="en-US"/>
           </a:p>
         </p:txBody>
       </p:sp>
@@ -1558,38 +1563,37 @@
           <a:p>
             <a:pPr lvl="0"/>
             <a:r>
-              <a:rPr lang="en-US" smtClean="0"/>
+              <a:rPr lang="en-US"/>
               <a:t>Click to edit Master text styles</a:t>
             </a:r>
           </a:p>
           <a:p>
             <a:pPr lvl="1"/>
             <a:r>
-              <a:rPr lang="en-US" smtClean="0"/>
+              <a:rPr lang="en-US"/>
               <a:t>Second level</a:t>
             </a:r>
           </a:p>
           <a:p>
             <a:pPr lvl="2"/>
             <a:r>
-              <a:rPr lang="en-US" smtClean="0"/>
+              <a:rPr lang="en-US"/>
               <a:t>Third level</a:t>
             </a:r>
           </a:p>
           <a:p>
             <a:pPr lvl="3"/>
             <a:r>
-              <a:rPr lang="en-US" smtClean="0"/>
+              <a:rPr lang="en-US"/>
               <a:t>Fourth level</a:t>
             </a:r>
           </a:p>
           <a:p>
             <a:pPr lvl="4"/>
             <a:r>
-              <a:rPr lang="en-US" smtClean="0"/>
+              <a:rPr lang="en-US"/>
               <a:t>Fifth level</a:t>
             </a:r>
-            <a:endParaRPr lang="en-US"/>
           </a:p>
         </p:txBody>
       </p:sp>
@@ -1643,38 +1647,37 @@
           <a:p>
             <a:pPr lvl="0"/>
             <a:r>
-              <a:rPr lang="en-US" smtClean="0"/>
+              <a:rPr lang="en-US"/>
               <a:t>Click to edit Master text styles</a:t>
             </a:r>
           </a:p>
           <a:p>
             <a:pPr lvl="1"/>
             <a:r>
-              <a:rPr lang="en-US" smtClean="0"/>
+              <a:rPr lang="en-US"/>
               <a:t>Second level</a:t>
             </a:r>
           </a:p>
           <a:p>
             <a:pPr lvl="2"/>
             <a:r>
-              <a:rPr lang="en-US" smtClean="0"/>
+              <a:rPr lang="en-US"/>
               <a:t>Third level</a:t>
             </a:r>
           </a:p>
           <a:p>
             <a:pPr lvl="3"/>
             <a:r>
-              <a:rPr lang="en-US" smtClean="0"/>
+              <a:rPr lang="en-US"/>
               <a:t>Fourth level</a:t>
             </a:r>
           </a:p>
           <a:p>
             <a:pPr lvl="4"/>
             <a:r>
-              <a:rPr lang="en-US" smtClean="0"/>
+              <a:rPr lang="en-US"/>
               <a:t>Fifth level</a:t>
             </a:r>
-            <a:endParaRPr lang="en-US"/>
           </a:p>
         </p:txBody>
       </p:sp>
@@ -1695,9 +1698,9 @@
           <a:p>
             <a:fld id="{78C97017-6FC3-485B-9764-EAC9E56C1D49}" type="datetimeFigureOut">
               <a:rPr lang="en-US" smtClean="0"/>
-              <a:t>10/16/2016</a:t>
+              <a:t>3/14/2018</a:t>
             </a:fld>
-            <a:endParaRPr lang="en-US"/>
+            <a:endParaRPr lang="en-US" dirty="0"/>
           </a:p>
         </p:txBody>
       </p:sp>
@@ -1716,7 +1719,7 @@
           <a:bodyPr/>
           <a:lstStyle/>
           <a:p>
-            <a:endParaRPr lang="en-US"/>
+            <a:endParaRPr lang="en-US" dirty="0"/>
           </a:p>
         </p:txBody>
       </p:sp>
@@ -1739,7 +1742,7 @@
               <a:rPr lang="en-US" smtClean="0"/>
               <a:t>‹#›</a:t>
             </a:fld>
-            <a:endParaRPr lang="en-US"/>
+            <a:endParaRPr lang="en-US" dirty="0"/>
           </a:p>
         </p:txBody>
       </p:sp>
@@ -1793,10 +1796,9 @@
           </a:lstStyle>
           <a:p>
             <a:r>
-              <a:rPr lang="en-US" smtClean="0"/>
+              <a:rPr lang="en-US"/>
               <a:t>Click to edit Master title style</a:t>
             </a:r>
-            <a:endParaRPr lang="en-US"/>
           </a:p>
         </p:txBody>
       </p:sp>
@@ -1859,7 +1861,7 @@
           <a:p>
             <a:pPr lvl="0"/>
             <a:r>
-              <a:rPr lang="en-US" smtClean="0"/>
+              <a:rPr lang="en-US"/>
               <a:t>Click to edit Master text styles</a:t>
             </a:r>
           </a:p>
@@ -1915,38 +1917,37 @@
           <a:p>
             <a:pPr lvl="0"/>
             <a:r>
-              <a:rPr lang="en-US" smtClean="0"/>
+              <a:rPr lang="en-US"/>
               <a:t>Click to edit Master text styles</a:t>
             </a:r>
           </a:p>
           <a:p>
             <a:pPr lvl="1"/>
             <a:r>
-              <a:rPr lang="en-US" smtClean="0"/>
+              <a:rPr lang="en-US"/>
               <a:t>Second level</a:t>
             </a:r>
           </a:p>
           <a:p>
             <a:pPr lvl="2"/>
             <a:r>
-              <a:rPr lang="en-US" smtClean="0"/>
+              <a:rPr lang="en-US"/>
               <a:t>Third level</a:t>
             </a:r>
           </a:p>
           <a:p>
             <a:pPr lvl="3"/>
             <a:r>
-              <a:rPr lang="en-US" smtClean="0"/>
+              <a:rPr lang="en-US"/>
               <a:t>Fourth level</a:t>
             </a:r>
           </a:p>
           <a:p>
             <a:pPr lvl="4"/>
             <a:r>
-              <a:rPr lang="en-US" smtClean="0"/>
+              <a:rPr lang="en-US"/>
               <a:t>Fifth level</a:t>
             </a:r>
-            <a:endParaRPr lang="en-US"/>
           </a:p>
         </p:txBody>
       </p:sp>
@@ -2009,7 +2010,7 @@
           <a:p>
             <a:pPr lvl="0"/>
             <a:r>
-              <a:rPr lang="en-US" smtClean="0"/>
+              <a:rPr lang="en-US"/>
               <a:t>Click to edit Master text styles</a:t>
             </a:r>
           </a:p>
@@ -2065,38 +2066,37 @@
           <a:p>
             <a:pPr lvl="0"/>
             <a:r>
-              <a:rPr lang="en-US" smtClean="0"/>
+              <a:rPr lang="en-US"/>
               <a:t>Click to edit Master text styles</a:t>
             </a:r>
           </a:p>
           <a:p>
             <a:pPr lvl="1"/>
             <a:r>
-              <a:rPr lang="en-US" smtClean="0"/>
+              <a:rPr lang="en-US"/>
               <a:t>Second level</a:t>
             </a:r>
           </a:p>
           <a:p>
             <a:pPr lvl="2"/>
             <a:r>
-              <a:rPr lang="en-US" smtClean="0"/>
+              <a:rPr lang="en-US"/>
               <a:t>Third level</a:t>
             </a:r>
           </a:p>
           <a:p>
             <a:pPr lvl="3"/>
             <a:r>
-              <a:rPr lang="en-US" smtClean="0"/>
+              <a:rPr lang="en-US"/>
               <a:t>Fourth level</a:t>
             </a:r>
           </a:p>
           <a:p>
             <a:pPr lvl="4"/>
             <a:r>
-              <a:rPr lang="en-US" smtClean="0"/>
+              <a:rPr lang="en-US"/>
               <a:t>Fifth level</a:t>
             </a:r>
-            <a:endParaRPr lang="en-US"/>
           </a:p>
         </p:txBody>
       </p:sp>
@@ -2117,9 +2117,9 @@
           <a:p>
             <a:fld id="{78C97017-6FC3-485B-9764-EAC9E56C1D49}" type="datetimeFigureOut">
               <a:rPr lang="en-US" smtClean="0"/>
-              <a:t>10/16/2016</a:t>
+              <a:t>3/14/2018</a:t>
             </a:fld>
-            <a:endParaRPr lang="en-US"/>
+            <a:endParaRPr lang="en-US" dirty="0"/>
           </a:p>
         </p:txBody>
       </p:sp>
@@ -2138,7 +2138,7 @@
           <a:bodyPr/>
           <a:lstStyle/>
           <a:p>
-            <a:endParaRPr lang="en-US"/>
+            <a:endParaRPr lang="en-US" dirty="0"/>
           </a:p>
         </p:txBody>
       </p:sp>
@@ -2161,7 +2161,7 @@
               <a:rPr lang="en-US" smtClean="0"/>
               <a:t>‹#›</a:t>
             </a:fld>
-            <a:endParaRPr lang="en-US"/>
+            <a:endParaRPr lang="en-US" dirty="0"/>
           </a:p>
         </p:txBody>
       </p:sp>
@@ -2211,10 +2211,9 @@
           <a:lstStyle/>
           <a:p>
             <a:r>
-              <a:rPr lang="en-US" smtClean="0"/>
+              <a:rPr lang="en-US"/>
               <a:t>Click to edit Master title style</a:t>
             </a:r>
-            <a:endParaRPr lang="en-US"/>
           </a:p>
         </p:txBody>
       </p:sp>
@@ -2235,9 +2234,9 @@
           <a:p>
             <a:fld id="{78C97017-6FC3-485B-9764-EAC9E56C1D49}" type="datetimeFigureOut">
               <a:rPr lang="en-US" smtClean="0"/>
-              <a:t>10/16/2016</a:t>
+              <a:t>3/14/2018</a:t>
             </a:fld>
-            <a:endParaRPr lang="en-US"/>
+            <a:endParaRPr lang="en-US" dirty="0"/>
           </a:p>
         </p:txBody>
       </p:sp>
@@ -2256,7 +2255,7 @@
           <a:bodyPr/>
           <a:lstStyle/>
           <a:p>
-            <a:endParaRPr lang="en-US"/>
+            <a:endParaRPr lang="en-US" dirty="0"/>
           </a:p>
         </p:txBody>
       </p:sp>
@@ -2279,7 +2278,7 @@
               <a:rPr lang="en-US" smtClean="0"/>
               <a:t>‹#›</a:t>
             </a:fld>
-            <a:endParaRPr lang="en-US"/>
+            <a:endParaRPr lang="en-US" dirty="0"/>
           </a:p>
         </p:txBody>
       </p:sp>
@@ -2330,9 +2329,9 @@
           <a:p>
             <a:fld id="{78C97017-6FC3-485B-9764-EAC9E56C1D49}" type="datetimeFigureOut">
               <a:rPr lang="en-US" smtClean="0"/>
-              <a:t>10/16/2016</a:t>
+              <a:t>3/14/2018</a:t>
             </a:fld>
-            <a:endParaRPr lang="en-US"/>
+            <a:endParaRPr lang="en-US" dirty="0"/>
           </a:p>
         </p:txBody>
       </p:sp>
@@ -2351,7 +2350,7 @@
           <a:bodyPr/>
           <a:lstStyle/>
           <a:p>
-            <a:endParaRPr lang="en-US"/>
+            <a:endParaRPr lang="en-US" dirty="0"/>
           </a:p>
         </p:txBody>
       </p:sp>
@@ -2374,7 +2373,7 @@
               <a:rPr lang="en-US" smtClean="0"/>
               <a:t>‹#›</a:t>
             </a:fld>
-            <a:endParaRPr lang="en-US"/>
+            <a:endParaRPr lang="en-US" dirty="0"/>
           </a:p>
         </p:txBody>
       </p:sp>
@@ -2433,10 +2432,9 @@
           </a:lstStyle>
           <a:p>
             <a:r>
-              <a:rPr lang="en-US" smtClean="0"/>
+              <a:rPr lang="en-US"/>
               <a:t>Click to edit Master title style</a:t>
             </a:r>
-            <a:endParaRPr lang="en-US"/>
           </a:p>
         </p:txBody>
       </p:sp>
@@ -2490,38 +2488,37 @@
           <a:p>
             <a:pPr lvl="0"/>
             <a:r>
-              <a:rPr lang="en-US" smtClean="0"/>
+              <a:rPr lang="en-US"/>
               <a:t>Click to edit Master text styles</a:t>
             </a:r>
           </a:p>
           <a:p>
             <a:pPr lvl="1"/>
             <a:r>
-              <a:rPr lang="en-US" smtClean="0"/>
+              <a:rPr lang="en-US"/>
               <a:t>Second level</a:t>
             </a:r>
           </a:p>
           <a:p>
             <a:pPr lvl="2"/>
             <a:r>
-              <a:rPr lang="en-US" smtClean="0"/>
+              <a:rPr lang="en-US"/>
               <a:t>Third level</a:t>
             </a:r>
           </a:p>
           <a:p>
             <a:pPr lvl="3"/>
             <a:r>
-              <a:rPr lang="en-US" smtClean="0"/>
+              <a:rPr lang="en-US"/>
               <a:t>Fourth level</a:t>
             </a:r>
           </a:p>
           <a:p>
             <a:pPr lvl="4"/>
             <a:r>
-              <a:rPr lang="en-US" smtClean="0"/>
+              <a:rPr lang="en-US"/>
               <a:t>Fifth level</a:t>
             </a:r>
-            <a:endParaRPr lang="en-US"/>
           </a:p>
         </p:txBody>
       </p:sp>
@@ -2584,7 +2581,7 @@
           <a:p>
             <a:pPr lvl="0"/>
             <a:r>
-              <a:rPr lang="en-US" smtClean="0"/>
+              <a:rPr lang="en-US"/>
               <a:t>Click to edit Master text styles</a:t>
             </a:r>
           </a:p>
@@ -2607,9 +2604,9 @@
           <a:p>
             <a:fld id="{78C97017-6FC3-485B-9764-EAC9E56C1D49}" type="datetimeFigureOut">
               <a:rPr lang="en-US" smtClean="0"/>
-              <a:t>10/16/2016</a:t>
+              <a:t>3/14/2018</a:t>
             </a:fld>
-            <a:endParaRPr lang="en-US"/>
+            <a:endParaRPr lang="en-US" dirty="0"/>
           </a:p>
         </p:txBody>
       </p:sp>
@@ -2628,7 +2625,7 @@
           <a:bodyPr/>
           <a:lstStyle/>
           <a:p>
-            <a:endParaRPr lang="en-US"/>
+            <a:endParaRPr lang="en-US" dirty="0"/>
           </a:p>
         </p:txBody>
       </p:sp>
@@ -2651,7 +2648,7 @@
               <a:rPr lang="en-US" smtClean="0"/>
               <a:t>‹#›</a:t>
             </a:fld>
-            <a:endParaRPr lang="en-US"/>
+            <a:endParaRPr lang="en-US" dirty="0"/>
           </a:p>
         </p:txBody>
       </p:sp>
@@ -2710,10 +2707,9 @@
           </a:lstStyle>
           <a:p>
             <a:r>
-              <a:rPr lang="en-US" smtClean="0"/>
+              <a:rPr lang="en-US"/>
               <a:t>Click to edit Master title style</a:t>
             </a:r>
-            <a:endParaRPr lang="en-US"/>
           </a:p>
         </p:txBody>
       </p:sp>
@@ -2774,7 +2770,7 @@
             </a:lvl9pPr>
           </a:lstStyle>
           <a:p>
-            <a:endParaRPr lang="en-US"/>
+            <a:endParaRPr lang="en-US" dirty="0"/>
           </a:p>
         </p:txBody>
       </p:sp>
@@ -2837,7 +2833,7 @@
           <a:p>
             <a:pPr lvl="0"/>
             <a:r>
-              <a:rPr lang="en-US" smtClean="0"/>
+              <a:rPr lang="en-US"/>
               <a:t>Click to edit Master text styles</a:t>
             </a:r>
           </a:p>
@@ -2860,9 +2856,9 @@
           <a:p>
             <a:fld id="{78C97017-6FC3-485B-9764-EAC9E56C1D49}" type="datetimeFigureOut">
               <a:rPr lang="en-US" smtClean="0"/>
-              <a:t>10/16/2016</a:t>
+              <a:t>3/14/2018</a:t>
             </a:fld>
-            <a:endParaRPr lang="en-US"/>
+            <a:endParaRPr lang="en-US" dirty="0"/>
           </a:p>
         </p:txBody>
       </p:sp>
@@ -2881,7 +2877,7 @@
           <a:bodyPr/>
           <a:lstStyle/>
           <a:p>
-            <a:endParaRPr lang="en-US"/>
+            <a:endParaRPr lang="en-US" dirty="0"/>
           </a:p>
         </p:txBody>
       </p:sp>
@@ -2904,7 +2900,7 @@
               <a:rPr lang="en-US" smtClean="0"/>
               <a:t>‹#›</a:t>
             </a:fld>
-            <a:endParaRPr lang="en-US"/>
+            <a:endParaRPr lang="en-US" dirty="0"/>
           </a:p>
         </p:txBody>
       </p:sp>
@@ -2969,10 +2965,9 @@
           <a:lstStyle/>
           <a:p>
             <a:r>
-              <a:rPr lang="en-US" smtClean="0"/>
+              <a:rPr lang="en-US"/>
               <a:t>Click to edit Master title style</a:t>
             </a:r>
-            <a:endParaRPr lang="en-US"/>
           </a:p>
         </p:txBody>
       </p:sp>
@@ -3003,38 +2998,37 @@
           <a:p>
             <a:pPr lvl="0"/>
             <a:r>
-              <a:rPr lang="en-US" smtClean="0"/>
+              <a:rPr lang="en-US"/>
               <a:t>Click to edit Master text styles</a:t>
             </a:r>
           </a:p>
           <a:p>
             <a:pPr lvl="1"/>
             <a:r>
-              <a:rPr lang="en-US" smtClean="0"/>
+              <a:rPr lang="en-US"/>
               <a:t>Second level</a:t>
             </a:r>
           </a:p>
           <a:p>
             <a:pPr lvl="2"/>
             <a:r>
-              <a:rPr lang="en-US" smtClean="0"/>
+              <a:rPr lang="en-US"/>
               <a:t>Third level</a:t>
             </a:r>
           </a:p>
           <a:p>
             <a:pPr lvl="3"/>
             <a:r>
-              <a:rPr lang="en-US" smtClean="0"/>
+              <a:rPr lang="en-US"/>
               <a:t>Fourth level</a:t>
             </a:r>
           </a:p>
           <a:p>
             <a:pPr lvl="4"/>
             <a:r>
-              <a:rPr lang="en-US" smtClean="0"/>
+              <a:rPr lang="en-US"/>
               <a:t>Fifth level</a:t>
             </a:r>
-            <a:endParaRPr lang="en-US"/>
           </a:p>
         </p:txBody>
       </p:sp>
@@ -3073,9 +3067,9 @@
           <a:p>
             <a:fld id="{78C97017-6FC3-485B-9764-EAC9E56C1D49}" type="datetimeFigureOut">
               <a:rPr lang="en-US" smtClean="0"/>
-              <a:t>10/16/2016</a:t>
+              <a:t>3/14/2018</a:t>
             </a:fld>
-            <a:endParaRPr lang="en-US"/>
+            <a:endParaRPr lang="en-US" dirty="0"/>
           </a:p>
         </p:txBody>
       </p:sp>
@@ -3112,7 +3106,7 @@
             </a:lvl1pPr>
           </a:lstStyle>
           <a:p>
-            <a:endParaRPr lang="en-US"/>
+            <a:endParaRPr lang="en-US" dirty="0"/>
           </a:p>
         </p:txBody>
       </p:sp>
@@ -3153,7 +3147,7 @@
               <a:rPr lang="en-US" smtClean="0"/>
               <a:t>‹#›</a:t>
             </a:fld>
-            <a:endParaRPr lang="en-US"/>
+            <a:endParaRPr lang="en-US" dirty="0"/>
           </a:p>
         </p:txBody>
       </p:sp>
@@ -3457,7 +3451,7 @@
         <p:spPr>
           <a:xfrm>
             <a:off x="1119865" y="2086382"/>
-            <a:ext cx="7871735" cy="1723618"/>
+            <a:ext cx="7947935" cy="1723618"/>
           </a:xfrm>
           <a:prstGeom prst="roundRect">
             <a:avLst>
@@ -3494,7 +3488,7 @@
           <a:lstStyle/>
           <a:p>
             <a:r>
-              <a:rPr lang="en-US" sz="1200" b="1" dirty="0" smtClean="0">
+              <a:rPr lang="en-US" sz="1200" b="1" dirty="0">
                 <a:solidFill>
                   <a:schemeClr val="accent6">
                     <a:lumMod val="75000"/>
@@ -3561,7 +3555,7 @@
           <a:p>
             <a:pPr algn="ctr"/>
             <a:r>
-              <a:rPr lang="en-US" sz="1050" dirty="0" smtClean="0">
+              <a:rPr lang="en-US" sz="1000" dirty="0">
                 <a:solidFill>
                   <a:schemeClr val="bg1"/>
                 </a:solidFill>
@@ -3569,21 +3563,21 @@
               <a:t>&lt;&lt;interface&gt;&gt;</a:t>
             </a:r>
             <a:br>
-              <a:rPr lang="en-US" sz="1050" dirty="0" smtClean="0">
+              <a:rPr lang="en-US" sz="1000" dirty="0">
                 <a:solidFill>
                   <a:schemeClr val="bg1"/>
                 </a:solidFill>
               </a:rPr>
             </a:br>
             <a:r>
-              <a:rPr lang="en-US" sz="1050" dirty="0" err="1" smtClean="0">
+              <a:rPr lang="en-US" sz="1000" dirty="0">
                 <a:solidFill>
                   <a:schemeClr val="bg1"/>
                 </a:solidFill>
               </a:rPr>
-              <a:t>AddressBookStorage</a:t>
-            </a:r>
-            <a:endParaRPr lang="en-SG" sz="1050" dirty="0">
+              <a:t>MoviePlannerStorage</a:t>
+            </a:r>
+            <a:endParaRPr lang="en-SG" sz="1000" dirty="0">
               <a:solidFill>
                 <a:schemeClr val="bg1"/>
               </a:solidFill>
@@ -3639,7 +3633,7 @@
           <a:p>
             <a:pPr algn="ctr"/>
             <a:r>
-              <a:rPr lang="en-US" sz="1050" dirty="0" err="1" smtClean="0">
+              <a:rPr lang="en-US" sz="1050" dirty="0">
                 <a:solidFill>
                   <a:schemeClr val="bg1"/>
                 </a:solidFill>
@@ -3713,7 +3707,7 @@
           <a:p>
             <a:pPr algn="ctr"/>
             <a:r>
-              <a:rPr lang="en-US" sz="1050" dirty="0" smtClean="0">
+              <a:rPr lang="en-US" sz="1050" dirty="0">
                 <a:solidFill>
                   <a:schemeClr val="bg1"/>
                 </a:solidFill>
@@ -3775,7 +3769,7 @@
           <a:lstStyle/>
           <a:p>
             <a:pPr algn="ctr"/>
-            <a:endParaRPr lang="en-SG" sz="1050">
+            <a:endParaRPr lang="en-SG" sz="1050" dirty="0">
               <a:solidFill>
                 <a:schemeClr val="bg1"/>
               </a:solidFill>
@@ -3955,7 +3949,7 @@
           <a:lstStyle/>
           <a:p>
             <a:pPr algn="ctr"/>
-            <a:endParaRPr lang="en-US" sz="1050">
+            <a:endParaRPr lang="en-US" sz="1050" dirty="0">
               <a:solidFill>
                 <a:schemeClr val="bg1"/>
               </a:solidFill>
@@ -4056,7 +4050,7 @@
           <a:lstStyle/>
           <a:p>
             <a:pPr algn="ctr"/>
-            <a:endParaRPr lang="en-SG" sz="1050">
+            <a:endParaRPr lang="en-SG" sz="1050" dirty="0">
               <a:solidFill>
                 <a:schemeClr val="bg1"/>
               </a:solidFill>
@@ -4147,45 +4141,16 @@
           <a:p>
             <a:pPr algn="ctr"/>
             <a:r>
-              <a:rPr lang="en-US" sz="1050" b="1" dirty="0" err="1" smtClean="0">
+              <a:rPr lang="en-US" sz="1000" b="1" dirty="0">
                 <a:solidFill>
                   <a:schemeClr val="accent6">
                     <a:lumMod val="75000"/>
                   </a:schemeClr>
                 </a:solidFill>
               </a:rPr>
-              <a:t>XmlAddressBook</a:t>
-            </a:r>
-            <a:r>
-              <a:rPr lang="en-US" sz="1050" b="1" dirty="0" smtClean="0">
-                <a:solidFill>
-                  <a:schemeClr val="accent6">
-                    <a:lumMod val="75000"/>
-                  </a:schemeClr>
-                </a:solidFill>
-              </a:rPr>
-              <a:t/>
-            </a:r>
-            <a:br>
-              <a:rPr lang="en-US" sz="1050" b="1" dirty="0" smtClean="0">
-                <a:solidFill>
-                  <a:schemeClr val="accent6">
-                    <a:lumMod val="75000"/>
-                  </a:schemeClr>
-                </a:solidFill>
-              </a:rPr>
-            </a:br>
-            <a:r>
-              <a:rPr lang="en-US" sz="1050" b="1" dirty="0" smtClean="0">
-                <a:solidFill>
-                  <a:schemeClr val="accent6">
-                    <a:lumMod val="75000"/>
-                  </a:schemeClr>
-                </a:solidFill>
-              </a:rPr>
-              <a:t>Storage</a:t>
-            </a:r>
-            <a:endParaRPr lang="en-SG" sz="1050" b="1" dirty="0">
+              <a:t>XmlMoviePlannerStorage</a:t>
+            </a:r>
+            <a:endParaRPr lang="en-SG" sz="1000" b="1" dirty="0">
               <a:solidFill>
                 <a:schemeClr val="accent6">
                   <a:lumMod val="75000"/>
@@ -4243,7 +4208,7 @@
           <a:p>
             <a:pPr algn="ctr"/>
             <a:r>
-              <a:rPr lang="en-US" sz="1050" dirty="0" smtClean="0">
+              <a:rPr lang="en-US" sz="1050" dirty="0">
                 <a:solidFill>
                   <a:schemeClr val="bg1"/>
                 </a:solidFill>
@@ -4251,14 +4216,14 @@
               <a:t>&lt;&lt;interface&gt;&gt;</a:t>
             </a:r>
             <a:br>
-              <a:rPr lang="en-US" sz="1050" dirty="0" smtClean="0">
+              <a:rPr lang="en-US" sz="1050" dirty="0">
                 <a:solidFill>
                   <a:schemeClr val="bg1"/>
                 </a:solidFill>
               </a:rPr>
             </a:br>
             <a:r>
-              <a:rPr lang="en-US" sz="1050" dirty="0" err="1" smtClean="0">
+              <a:rPr lang="en-US" sz="1050" dirty="0">
                 <a:solidFill>
                   <a:schemeClr val="bg1"/>
                 </a:solidFill>
@@ -4359,7 +4324,7 @@
           <a:lstStyle/>
           <a:p>
             <a:pPr algn="ctr"/>
-            <a:endParaRPr lang="en-US" sz="1050">
+            <a:endParaRPr lang="en-US" sz="1050" dirty="0">
               <a:solidFill>
                 <a:schemeClr val="bg1"/>
               </a:solidFill>
@@ -4460,7 +4425,7 @@
           <a:lstStyle/>
           <a:p>
             <a:pPr algn="ctr"/>
-            <a:endParaRPr lang="en-SG" sz="1050">
+            <a:endParaRPr lang="en-SG" sz="1050" dirty="0">
               <a:solidFill>
                 <a:schemeClr val="bg1"/>
               </a:solidFill>
@@ -4516,30 +4481,22 @@
           <a:p>
             <a:pPr algn="ctr"/>
             <a:r>
-              <a:rPr lang="en-US" sz="1050" dirty="0" err="1" smtClean="0">
+              <a:rPr lang="en-US" sz="1050" dirty="0">
                 <a:solidFill>
                   <a:schemeClr val="bg1"/>
                 </a:solidFill>
               </a:rPr>
               <a:t>JsonUserPrefs</a:t>
             </a:r>
-            <a:r>
-              <a:rPr lang="en-US" sz="1050" dirty="0" smtClean="0">
-                <a:solidFill>
-                  <a:schemeClr val="bg1"/>
-                </a:solidFill>
-              </a:rPr>
-              <a:t/>
-            </a:r>
             <a:br>
-              <a:rPr lang="en-US" sz="1050" dirty="0" smtClean="0">
+              <a:rPr lang="en-US" sz="1050" dirty="0">
                 <a:solidFill>
                   <a:schemeClr val="bg1"/>
                 </a:solidFill>
               </a:rPr>
             </a:br>
             <a:r>
-              <a:rPr lang="en-US" sz="1050" dirty="0" smtClean="0">
+              <a:rPr lang="en-US" sz="1050" dirty="0">
                 <a:solidFill>
                   <a:schemeClr val="bg1"/>
                 </a:solidFill>
@@ -4591,7 +4548,7 @@
           <a:p>
             <a:pPr algn="ctr"/>
             <a:r>
-              <a:rPr lang="en-US" sz="1050" b="1" dirty="0" err="1" smtClean="0">
+              <a:rPr lang="en-US" sz="1050" b="1" dirty="0">
                 <a:solidFill>
                   <a:schemeClr val="accent6">
                     <a:lumMod val="75000"/>
@@ -4600,18 +4557,8 @@
               </a:rPr>
               <a:t>XmlSerializable</a:t>
             </a:r>
-            <a:r>
-              <a:rPr lang="en-US" sz="1050" b="1" dirty="0" smtClean="0">
-                <a:solidFill>
-                  <a:schemeClr val="accent6">
-                    <a:lumMod val="75000"/>
-                  </a:schemeClr>
-                </a:solidFill>
-              </a:rPr>
-              <a:t/>
-            </a:r>
             <a:br>
-              <a:rPr lang="en-US" sz="1050" b="1" dirty="0" smtClean="0">
+              <a:rPr lang="en-US" sz="1050" b="1" dirty="0">
                 <a:solidFill>
                   <a:schemeClr val="accent6">
                     <a:lumMod val="75000"/>
@@ -4620,14 +4567,14 @@
               </a:rPr>
             </a:br>
             <a:r>
-              <a:rPr lang="en-US" sz="1050" b="1" dirty="0" err="1" smtClean="0">
+              <a:rPr lang="en-US" sz="1050" b="1" dirty="0">
                 <a:solidFill>
                   <a:schemeClr val="accent6">
                     <a:lumMod val="75000"/>
                   </a:schemeClr>
                 </a:solidFill>
               </a:rPr>
-              <a:t>AddressBook</a:t>
+              <a:t>MoviePlanner</a:t>
             </a:r>
             <a:endParaRPr lang="en-SG" sz="1050" b="1" dirty="0">
               <a:solidFill>
@@ -4643,15 +4590,16 @@
         <p:nvCxnSpPr>
           <p:cNvPr id="70" name="Elbow Connector 122"/>
           <p:cNvCxnSpPr>
+            <a:cxnSpLocks/>
             <a:stCxn id="74" idx="0"/>
             <a:endCxn id="73" idx="2"/>
           </p:cNvCxnSpPr>
           <p:nvPr/>
         </p:nvCxnSpPr>
         <p:spPr>
-          <a:xfrm rot="5400000" flipH="1" flipV="1">
-            <a:off x="8077993" y="2992020"/>
-            <a:ext cx="335208" cy="12700"/>
+          <a:xfrm rot="16200000" flipV="1">
+            <a:off x="8107029" y="2962984"/>
+            <a:ext cx="335208" cy="58072"/>
           </a:xfrm>
           <a:prstGeom prst="bentConnector3">
             <a:avLst>
@@ -4717,7 +4665,7 @@
           <a:p>
             <a:pPr algn="ctr"/>
             <a:r>
-              <a:rPr lang="en-US" sz="1050" b="1" dirty="0" err="1" smtClean="0">
+              <a:rPr lang="en-US" sz="1050" b="1" dirty="0">
                 <a:solidFill>
                   <a:schemeClr val="accent6">
                     <a:lumMod val="75000"/>
@@ -4745,7 +4693,7 @@
         <p:spPr>
           <a:xfrm>
             <a:off x="7615738" y="3159624"/>
-            <a:ext cx="1259718" cy="346760"/>
+            <a:ext cx="1375862" cy="346760"/>
           </a:xfrm>
           <a:prstGeom prst="rect">
             <a:avLst/>
@@ -4773,14 +4721,14 @@
           <a:p>
             <a:pPr algn="ctr"/>
             <a:r>
-              <a:rPr lang="en-US" sz="1050" b="1" dirty="0" err="1" smtClean="0">
+              <a:rPr lang="en-US" sz="1050" b="1" dirty="0">
                 <a:solidFill>
                   <a:schemeClr val="accent6">
                     <a:lumMod val="75000"/>
                   </a:schemeClr>
                 </a:solidFill>
               </a:rPr>
-              <a:t>XmlAdaptedPerson</a:t>
+              <a:t>XmlAdaptedCinema</a:t>
             </a:r>
             <a:endParaRPr lang="en-SG" sz="1050" b="1" dirty="0">
               <a:solidFill>
@@ -4796,6 +4744,7 @@
         <p:nvCxnSpPr>
           <p:cNvPr id="77" name="Elbow Connector 122"/>
           <p:cNvCxnSpPr>
+            <a:cxnSpLocks/>
             <a:stCxn id="66" idx="3"/>
             <a:endCxn id="74" idx="1"/>
           </p:cNvCxnSpPr>
@@ -4843,13 +4792,6 @@
   <p:clrMapOvr>
     <a:masterClrMapping/>
   </p:clrMapOvr>
-  <p:timing>
-    <p:tnLst>
-      <p:par>
-        <p:cTn id="1" dur="indefinite" restart="never" nodeType="tmRoot"/>
-      </p:par>
-    </p:tnLst>
-  </p:timing>
 </p:sld>
 </file>
 

--- a/docs/diagrams/StorageComponentClassDiagram.pptx
+++ b/docs/diagrams/StorageComponentClassDiagram.pptx
@@ -208,7 +208,7 @@
           <a:p>
             <a:fld id="{F5CC4B3F-88C1-4FFA-B1B6-F41C21DC6924}" type="datetimeFigureOut">
               <a:rPr lang="en-US" smtClean="0"/>
-              <a:t>3/14/2018</a:t>
+              <a:t>3/19/2018</a:t>
             </a:fld>
             <a:endParaRPr lang="en-US" dirty="0"/>
           </a:p>
@@ -654,7 +654,7 @@
           <a:p>
             <a:fld id="{78C97017-6FC3-485B-9764-EAC9E56C1D49}" type="datetimeFigureOut">
               <a:rPr lang="en-US" smtClean="0"/>
-              <a:t>3/14/2018</a:t>
+              <a:t>3/19/2018</a:t>
             </a:fld>
             <a:endParaRPr lang="en-US" dirty="0"/>
           </a:p>
@@ -822,7 +822,7 @@
           <a:p>
             <a:fld id="{78C97017-6FC3-485B-9764-EAC9E56C1D49}" type="datetimeFigureOut">
               <a:rPr lang="en-US" smtClean="0"/>
-              <a:t>3/14/2018</a:t>
+              <a:t>3/19/2018</a:t>
             </a:fld>
             <a:endParaRPr lang="en-US" dirty="0"/>
           </a:p>
@@ -1000,7 +1000,7 @@
           <a:p>
             <a:fld id="{78C97017-6FC3-485B-9764-EAC9E56C1D49}" type="datetimeFigureOut">
               <a:rPr lang="en-US" smtClean="0"/>
-              <a:t>3/14/2018</a:t>
+              <a:t>3/19/2018</a:t>
             </a:fld>
             <a:endParaRPr lang="en-US" dirty="0"/>
           </a:p>
@@ -1168,7 +1168,7 @@
           <a:p>
             <a:fld id="{78C97017-6FC3-485B-9764-EAC9E56C1D49}" type="datetimeFigureOut">
               <a:rPr lang="en-US" smtClean="0"/>
-              <a:t>3/14/2018</a:t>
+              <a:t>3/19/2018</a:t>
             </a:fld>
             <a:endParaRPr lang="en-US" dirty="0"/>
           </a:p>
@@ -1413,7 +1413,7 @@
           <a:p>
             <a:fld id="{78C97017-6FC3-485B-9764-EAC9E56C1D49}" type="datetimeFigureOut">
               <a:rPr lang="en-US" smtClean="0"/>
-              <a:t>3/14/2018</a:t>
+              <a:t>3/19/2018</a:t>
             </a:fld>
             <a:endParaRPr lang="en-US" dirty="0"/>
           </a:p>
@@ -1698,7 +1698,7 @@
           <a:p>
             <a:fld id="{78C97017-6FC3-485B-9764-EAC9E56C1D49}" type="datetimeFigureOut">
               <a:rPr lang="en-US" smtClean="0"/>
-              <a:t>3/14/2018</a:t>
+              <a:t>3/19/2018</a:t>
             </a:fld>
             <a:endParaRPr lang="en-US" dirty="0"/>
           </a:p>
@@ -2117,7 +2117,7 @@
           <a:p>
             <a:fld id="{78C97017-6FC3-485B-9764-EAC9E56C1D49}" type="datetimeFigureOut">
               <a:rPr lang="en-US" smtClean="0"/>
-              <a:t>3/14/2018</a:t>
+              <a:t>3/19/2018</a:t>
             </a:fld>
             <a:endParaRPr lang="en-US" dirty="0"/>
           </a:p>
@@ -2234,7 +2234,7 @@
           <a:p>
             <a:fld id="{78C97017-6FC3-485B-9764-EAC9E56C1D49}" type="datetimeFigureOut">
               <a:rPr lang="en-US" smtClean="0"/>
-              <a:t>3/14/2018</a:t>
+              <a:t>3/19/2018</a:t>
             </a:fld>
             <a:endParaRPr lang="en-US" dirty="0"/>
           </a:p>
@@ -2329,7 +2329,7 @@
           <a:p>
             <a:fld id="{78C97017-6FC3-485B-9764-EAC9E56C1D49}" type="datetimeFigureOut">
               <a:rPr lang="en-US" smtClean="0"/>
-              <a:t>3/14/2018</a:t>
+              <a:t>3/19/2018</a:t>
             </a:fld>
             <a:endParaRPr lang="en-US" dirty="0"/>
           </a:p>
@@ -2604,7 +2604,7 @@
           <a:p>
             <a:fld id="{78C97017-6FC3-485B-9764-EAC9E56C1D49}" type="datetimeFigureOut">
               <a:rPr lang="en-US" smtClean="0"/>
-              <a:t>3/14/2018</a:t>
+              <a:t>3/19/2018</a:t>
             </a:fld>
             <a:endParaRPr lang="en-US" dirty="0"/>
           </a:p>
@@ -2856,7 +2856,7 @@
           <a:p>
             <a:fld id="{78C97017-6FC3-485B-9764-EAC9E56C1D49}" type="datetimeFigureOut">
               <a:rPr lang="en-US" smtClean="0"/>
-              <a:t>3/14/2018</a:t>
+              <a:t>3/19/2018</a:t>
             </a:fld>
             <a:endParaRPr lang="en-US" dirty="0"/>
           </a:p>
@@ -3067,7 +3067,7 @@
           <a:p>
             <a:fld id="{78C97017-6FC3-485B-9764-EAC9E56C1D49}" type="datetimeFigureOut">
               <a:rPr lang="en-US" smtClean="0"/>
-              <a:t>3/14/2018</a:t>
+              <a:t>3/19/2018</a:t>
             </a:fld>
             <a:endParaRPr lang="en-US" dirty="0"/>
           </a:p>
@@ -3450,8 +3450,8 @@
         </p:nvSpPr>
         <p:spPr>
           <a:xfrm>
-            <a:off x="1119865" y="2086382"/>
-            <a:ext cx="7947935" cy="1723618"/>
+            <a:off x="1119865" y="1312560"/>
+            <a:ext cx="7947935" cy="3281300"/>
           </a:xfrm>
           <a:prstGeom prst="roundRect">
             <a:avLst>
@@ -4586,20 +4586,132 @@
           </a:p>
         </p:txBody>
       </p:sp>
+      <p:sp>
+        <p:nvSpPr>
+          <p:cNvPr id="73" name="Rectangle 8"/>
+          <p:cNvSpPr/>
+          <p:nvPr/>
+        </p:nvSpPr>
+        <p:spPr>
+          <a:xfrm>
+            <a:off x="7615738" y="2487764"/>
+            <a:ext cx="1375862" cy="346760"/>
+          </a:xfrm>
+          <a:prstGeom prst="rect">
+            <a:avLst/>
+          </a:prstGeom>
+          <a:ln w="19050"/>
+          <a:effectLst/>
+        </p:spPr>
+        <p:style>
+          <a:lnRef idx="1">
+            <a:schemeClr val="accent6"/>
+          </a:lnRef>
+          <a:fillRef idx="2">
+            <a:schemeClr val="accent6"/>
+          </a:fillRef>
+          <a:effectRef idx="1">
+            <a:schemeClr val="accent6"/>
+          </a:effectRef>
+          <a:fontRef idx="minor">
+            <a:schemeClr val="dk1"/>
+          </a:fontRef>
+        </p:style>
+        <p:txBody>
+          <a:bodyPr rtlCol="0" anchor="ctr"/>
+          <a:lstStyle/>
+          <a:p>
+            <a:pPr algn="ctr"/>
+            <a:r>
+              <a:rPr lang="en-US" sz="1050" b="1" dirty="0" err="1">
+                <a:solidFill>
+                  <a:schemeClr val="accent6">
+                    <a:lumMod val="75000"/>
+                  </a:schemeClr>
+                </a:solidFill>
+              </a:rPr>
+              <a:t>XmlAdaptedTheater</a:t>
+            </a:r>
+            <a:endParaRPr lang="en-SG" sz="1050" b="1" dirty="0">
+              <a:solidFill>
+                <a:schemeClr val="accent6">
+                  <a:lumMod val="75000"/>
+                </a:schemeClr>
+              </a:solidFill>
+            </a:endParaRPr>
+          </a:p>
+        </p:txBody>
+      </p:sp>
+      <p:sp>
+        <p:nvSpPr>
+          <p:cNvPr id="74" name="Rectangle 8"/>
+          <p:cNvSpPr/>
+          <p:nvPr/>
+        </p:nvSpPr>
+        <p:spPr>
+          <a:xfrm>
+            <a:off x="7615738" y="3159624"/>
+            <a:ext cx="1375862" cy="346760"/>
+          </a:xfrm>
+          <a:prstGeom prst="rect">
+            <a:avLst/>
+          </a:prstGeom>
+          <a:ln w="19050"/>
+          <a:effectLst/>
+        </p:spPr>
+        <p:style>
+          <a:lnRef idx="1">
+            <a:schemeClr val="accent6"/>
+          </a:lnRef>
+          <a:fillRef idx="2">
+            <a:schemeClr val="accent6"/>
+          </a:fillRef>
+          <a:effectRef idx="1">
+            <a:schemeClr val="accent6"/>
+          </a:effectRef>
+          <a:fontRef idx="minor">
+            <a:schemeClr val="dk1"/>
+          </a:fontRef>
+        </p:style>
+        <p:txBody>
+          <a:bodyPr rtlCol="0" anchor="ctr"/>
+          <a:lstStyle/>
+          <a:p>
+            <a:pPr algn="ctr"/>
+            <a:r>
+              <a:rPr lang="en-US" sz="1050" b="1" dirty="0">
+                <a:solidFill>
+                  <a:schemeClr val="accent6">
+                    <a:lumMod val="75000"/>
+                  </a:schemeClr>
+                </a:solidFill>
+              </a:rPr>
+              <a:t>XmlAdaptedCinema</a:t>
+            </a:r>
+            <a:endParaRPr lang="en-SG" sz="1050" b="1" dirty="0">
+              <a:solidFill>
+                <a:schemeClr val="accent6">
+                  <a:lumMod val="75000"/>
+                </a:schemeClr>
+              </a:solidFill>
+            </a:endParaRPr>
+          </a:p>
+        </p:txBody>
+      </p:sp>
       <p:cxnSp>
         <p:nvCxnSpPr>
-          <p:cNvPr id="70" name="Elbow Connector 122"/>
+          <p:cNvPr id="77" name="Elbow Connector 122"/>
           <p:cNvCxnSpPr>
             <a:cxnSpLocks/>
-            <a:stCxn id="74" idx="0"/>
-            <a:endCxn id="73" idx="2"/>
+            <a:stCxn id="66" idx="3"/>
+            <a:endCxn id="74" idx="1"/>
           </p:cNvCxnSpPr>
           <p:nvPr/>
         </p:nvCxnSpPr>
         <p:spPr>
-          <a:xfrm rot="16200000" flipV="1">
-            <a:off x="8107029" y="2962984"/>
-            <a:ext cx="335208" cy="58072"/>
+          <a:xfrm flipV="1">
+            <a:off x="7220507" y="3333004"/>
+            <a:ext cx="395231" cy="786"/>
           </a:xfrm>
           <a:prstGeom prst="bentConnector3">
             <a:avLst>
@@ -4630,14 +4742,20 @@
       </p:cxnSp>
       <p:sp>
         <p:nvSpPr>
-          <p:cNvPr id="73" name="Rectangle 8"/>
+          <p:cNvPr id="27" name="Rectangle 8">
+            <a:extLst>
+              <a:ext uri="{FF2B5EF4-FFF2-40B4-BE49-F238E27FC236}">
+                <a16:creationId xmlns:a16="http://schemas.microsoft.com/office/drawing/2014/main" id="{9F1BD69F-A0E5-4965-BC3E-BF680B51D6CC}"/>
+              </a:ext>
+            </a:extLst>
+          </p:cNvPr>
           <p:cNvSpPr/>
           <p:nvPr/>
         </p:nvSpPr>
         <p:spPr>
           <a:xfrm>
-            <a:off x="7615738" y="2477656"/>
-            <a:ext cx="1259718" cy="346760"/>
+            <a:off x="7615736" y="1802642"/>
+            <a:ext cx="1375862" cy="346760"/>
           </a:xfrm>
           <a:prstGeom prst="rect">
             <a:avLst/>
@@ -4665,16 +4783,16 @@
           <a:p>
             <a:pPr algn="ctr"/>
             <a:r>
-              <a:rPr lang="en-US" sz="1050" b="1" dirty="0">
+              <a:rPr lang="en-US" sz="1000" b="1" dirty="0">
                 <a:solidFill>
                   <a:schemeClr val="accent6">
                     <a:lumMod val="75000"/>
                   </a:schemeClr>
                 </a:solidFill>
               </a:rPr>
-              <a:t>XmlAdaptedTag</a:t>
-            </a:r>
-            <a:endParaRPr lang="en-SG" sz="1050" b="1" dirty="0">
+              <a:t>XmlAdaptedScreening</a:t>
+            </a:r>
+            <a:endParaRPr lang="en-SG" sz="1000" b="1" dirty="0">
               <a:solidFill>
                 <a:schemeClr val="accent6">
                   <a:lumMod val="75000"/>
@@ -4684,21 +4802,36 @@
           </a:p>
         </p:txBody>
       </p:sp>
-      <p:sp>
-        <p:nvSpPr>
-          <p:cNvPr id="74" name="Rectangle 8"/>
-          <p:cNvSpPr/>
+      <p:cxnSp>
+        <p:nvCxnSpPr>
+          <p:cNvPr id="28" name="Elbow Connector 122">
+            <a:extLst>
+              <a:ext uri="{FF2B5EF4-FFF2-40B4-BE49-F238E27FC236}">
+                <a16:creationId xmlns:a16="http://schemas.microsoft.com/office/drawing/2014/main" id="{ED9972DB-F283-4F04-8AF6-989174F8F0A0}"/>
+              </a:ext>
+            </a:extLst>
+          </p:cNvPr>
+          <p:cNvCxnSpPr>
+            <a:cxnSpLocks/>
+            <a:stCxn id="74" idx="0"/>
+          </p:cNvCxnSpPr>
           <p:nvPr/>
-        </p:nvSpPr>
-        <p:spPr>
-          <a:xfrm>
-            <a:off x="7615738" y="3159624"/>
-            <a:ext cx="1375862" cy="346760"/>
-          </a:xfrm>
-          <a:prstGeom prst="rect">
-            <a:avLst/>
+        </p:nvCxnSpPr>
+        <p:spPr>
+          <a:xfrm rot="5400000" flipH="1" flipV="1">
+            <a:off x="8141119" y="2997074"/>
+            <a:ext cx="325100" cy="1"/>
+          </a:xfrm>
+          <a:prstGeom prst="bentConnector3">
+            <a:avLst>
+              <a:gd name="adj1" fmla="val 50000"/>
+            </a:avLst>
           </a:prstGeom>
-          <a:ln w="19050"/>
+          <a:ln w="19050">
+            <a:prstDash val="sysDot"/>
+            <a:headEnd type="none" w="med" len="med"/>
+            <a:tailEnd type="arrow" w="med" len="med"/>
+          </a:ln>
           <a:effectLst/>
         </p:spPr>
         <p:style>
@@ -4715,6 +4848,91 @@
             <a:schemeClr val="dk1"/>
           </a:fontRef>
         </p:style>
+      </p:cxnSp>
+      <p:cxnSp>
+        <p:nvCxnSpPr>
+          <p:cNvPr id="32" name="Elbow Connector 122">
+            <a:extLst>
+              <a:ext uri="{FF2B5EF4-FFF2-40B4-BE49-F238E27FC236}">
+                <a16:creationId xmlns:a16="http://schemas.microsoft.com/office/drawing/2014/main" id="{0DAC31A9-5653-4A62-929A-672EEBD4775C}"/>
+              </a:ext>
+            </a:extLst>
+          </p:cNvPr>
+          <p:cNvCxnSpPr>
+            <a:cxnSpLocks/>
+            <a:endCxn id="27" idx="2"/>
+          </p:cNvCxnSpPr>
+          <p:nvPr/>
+        </p:nvCxnSpPr>
+        <p:spPr>
+          <a:xfrm rot="5400000" flipH="1" flipV="1">
+            <a:off x="8124393" y="2322327"/>
+            <a:ext cx="352198" cy="6349"/>
+          </a:xfrm>
+          <a:prstGeom prst="bentConnector3">
+            <a:avLst>
+              <a:gd name="adj1" fmla="val 50000"/>
+            </a:avLst>
+          </a:prstGeom>
+          <a:ln w="19050">
+            <a:prstDash val="sysDot"/>
+            <a:headEnd type="none" w="med" len="med"/>
+            <a:tailEnd type="arrow" w="med" len="med"/>
+          </a:ln>
+          <a:effectLst/>
+        </p:spPr>
+        <p:style>
+          <a:lnRef idx="1">
+            <a:schemeClr val="accent6"/>
+          </a:lnRef>
+          <a:fillRef idx="2">
+            <a:schemeClr val="accent6"/>
+          </a:fillRef>
+          <a:effectRef idx="1">
+            <a:schemeClr val="accent6"/>
+          </a:effectRef>
+          <a:fontRef idx="minor">
+            <a:schemeClr val="dk1"/>
+          </a:fontRef>
+        </p:style>
+      </p:cxnSp>
+      <p:sp>
+        <p:nvSpPr>
+          <p:cNvPr id="34" name="Rectangle 8">
+            <a:extLst>
+              <a:ext uri="{FF2B5EF4-FFF2-40B4-BE49-F238E27FC236}">
+                <a16:creationId xmlns:a16="http://schemas.microsoft.com/office/drawing/2014/main" id="{B0F25605-5F03-4BB1-98DE-98C67CF5C4A6}"/>
+              </a:ext>
+            </a:extLst>
+          </p:cNvPr>
+          <p:cNvSpPr/>
+          <p:nvPr/>
+        </p:nvSpPr>
+        <p:spPr>
+          <a:xfrm>
+            <a:off x="7620175" y="3849892"/>
+            <a:ext cx="1375862" cy="346760"/>
+          </a:xfrm>
+          <a:prstGeom prst="rect">
+            <a:avLst/>
+          </a:prstGeom>
+          <a:ln w="19050"/>
+          <a:effectLst/>
+        </p:spPr>
+        <p:style>
+          <a:lnRef idx="1">
+            <a:schemeClr val="accent6"/>
+          </a:lnRef>
+          <a:fillRef idx="2">
+            <a:schemeClr val="accent6"/>
+          </a:fillRef>
+          <a:effectRef idx="1">
+            <a:schemeClr val="accent6"/>
+          </a:effectRef>
+          <a:fontRef idx="minor">
+            <a:schemeClr val="dk1"/>
+          </a:fontRef>
+        </p:style>
         <p:txBody>
           <a:bodyPr rtlCol="0" anchor="ctr"/>
           <a:lstStyle/>
@@ -4728,7 +4946,7 @@
                   </a:schemeClr>
                 </a:solidFill>
               </a:rPr>
-              <a:t>XmlAdaptedCinema</a:t>
+              <a:t>XmlAdaptedMovie</a:t>
             </a:r>
             <a:endParaRPr lang="en-SG" sz="1050" b="1" dirty="0">
               <a:solidFill>
@@ -4742,23 +4960,26 @@
       </p:sp>
       <p:cxnSp>
         <p:nvCxnSpPr>
-          <p:cNvPr id="77" name="Elbow Connector 122"/>
+          <p:cNvPr id="35" name="Elbow Connector 122">
+            <a:extLst>
+              <a:ext uri="{FF2B5EF4-FFF2-40B4-BE49-F238E27FC236}">
+                <a16:creationId xmlns:a16="http://schemas.microsoft.com/office/drawing/2014/main" id="{DE2B64C5-07A2-4B06-8E8D-4E52983F7279}"/>
+              </a:ext>
+            </a:extLst>
+          </p:cNvPr>
           <p:cNvCxnSpPr>
             <a:cxnSpLocks/>
-            <a:stCxn id="66" idx="3"/>
-            <a:endCxn id="74" idx="1"/>
+            <a:stCxn id="66" idx="2"/>
           </p:cNvCxnSpPr>
           <p:nvPr/>
         </p:nvCxnSpPr>
         <p:spPr>
-          <a:xfrm flipV="1">
-            <a:off x="7220507" y="3333004"/>
-            <a:ext cx="395231" cy="786"/>
-          </a:xfrm>
-          <a:prstGeom prst="bentConnector3">
-            <a:avLst>
-              <a:gd name="adj1" fmla="val 50000"/>
-            </a:avLst>
+          <a:xfrm rot="16200000" flipH="1">
+            <a:off x="6847255" y="3280069"/>
+            <a:ext cx="541380" cy="995582"/>
+          </a:xfrm>
+          <a:prstGeom prst="bentConnector2">
+            <a:avLst/>
           </a:prstGeom>
           <a:ln w="19050">
             <a:prstDash val="sysDot"/>

--- a/docs/diagrams/StorageComponentClassDiagram.pptx
+++ b/docs/diagrams/StorageComponentClassDiagram.pptx
@@ -4623,7 +4623,7 @@
           <a:p>
             <a:pPr algn="ctr"/>
             <a:r>
-              <a:rPr lang="en-US" sz="1050" b="1" dirty="0" err="1">
+              <a:rPr lang="en-US" sz="1050" b="1" dirty="0">
                 <a:solidFill>
                   <a:schemeClr val="accent6">
                     <a:lumMod val="75000"/>
